--- a/content/3-cc310/09-lists/02-singly-linked-lists-slides.pptx
+++ b/content/3-cc310/09-lists/02-singly-linked-lists-slides.pptx
@@ -221,7 +221,7 @@
           <a:p>
             <a:fld id="{7965C686-E975-4851-995B-B3B455D4CBEA}" type="datetimeFigureOut">
               <a:rPr lang="en-US" smtClean="0"/>
-              <a:t>4/3/2020</a:t>
+              <a:t>4/7/2020</a:t>
             </a:fld>
             <a:endParaRPr lang="en-US"/>
           </a:p>
@@ -2862,7 +2862,7 @@
           <a:p>
             <a:fld id="{6B9CC98C-563E-4F7D-9927-73EC4AAC1618}" type="datetimeFigureOut">
               <a:rPr lang="en-US" smtClean="0"/>
-              <a:t>4/3/2020</a:t>
+              <a:t>4/7/2020</a:t>
             </a:fld>
             <a:endParaRPr lang="en-US"/>
           </a:p>
@@ -3060,7 +3060,7 @@
           <a:p>
             <a:fld id="{6B9CC98C-563E-4F7D-9927-73EC4AAC1618}" type="datetimeFigureOut">
               <a:rPr lang="en-US" smtClean="0"/>
-              <a:t>4/3/2020</a:t>
+              <a:t>4/7/2020</a:t>
             </a:fld>
             <a:endParaRPr lang="en-US"/>
           </a:p>
@@ -3268,7 +3268,7 @@
           <a:p>
             <a:fld id="{6B9CC98C-563E-4F7D-9927-73EC4AAC1618}" type="datetimeFigureOut">
               <a:rPr lang="en-US" smtClean="0"/>
-              <a:t>4/3/2020</a:t>
+              <a:t>4/7/2020</a:t>
             </a:fld>
             <a:endParaRPr lang="en-US"/>
           </a:p>
@@ -3466,7 +3466,7 @@
           <a:p>
             <a:fld id="{6B9CC98C-563E-4F7D-9927-73EC4AAC1618}" type="datetimeFigureOut">
               <a:rPr lang="en-US" smtClean="0"/>
-              <a:t>4/3/2020</a:t>
+              <a:t>4/7/2020</a:t>
             </a:fld>
             <a:endParaRPr lang="en-US"/>
           </a:p>
@@ -3741,7 +3741,7 @@
           <a:p>
             <a:fld id="{6B9CC98C-563E-4F7D-9927-73EC4AAC1618}" type="datetimeFigureOut">
               <a:rPr lang="en-US" smtClean="0"/>
-              <a:t>4/3/2020</a:t>
+              <a:t>4/7/2020</a:t>
             </a:fld>
             <a:endParaRPr lang="en-US"/>
           </a:p>
@@ -4006,7 +4006,7 @@
           <a:p>
             <a:fld id="{6B9CC98C-563E-4F7D-9927-73EC4AAC1618}" type="datetimeFigureOut">
               <a:rPr lang="en-US" smtClean="0"/>
-              <a:t>4/3/2020</a:t>
+              <a:t>4/7/2020</a:t>
             </a:fld>
             <a:endParaRPr lang="en-US"/>
           </a:p>
@@ -4418,7 +4418,7 @@
           <a:p>
             <a:fld id="{6B9CC98C-563E-4F7D-9927-73EC4AAC1618}" type="datetimeFigureOut">
               <a:rPr lang="en-US" smtClean="0"/>
-              <a:t>4/3/2020</a:t>
+              <a:t>4/7/2020</a:t>
             </a:fld>
             <a:endParaRPr lang="en-US"/>
           </a:p>
@@ -4559,7 +4559,7 @@
           <a:p>
             <a:fld id="{6B9CC98C-563E-4F7D-9927-73EC4AAC1618}" type="datetimeFigureOut">
               <a:rPr lang="en-US" smtClean="0"/>
-              <a:t>4/3/2020</a:t>
+              <a:t>4/7/2020</a:t>
             </a:fld>
             <a:endParaRPr lang="en-US"/>
           </a:p>
@@ -4672,7 +4672,7 @@
           <a:p>
             <a:fld id="{6B9CC98C-563E-4F7D-9927-73EC4AAC1618}" type="datetimeFigureOut">
               <a:rPr lang="en-US" smtClean="0"/>
-              <a:t>4/3/2020</a:t>
+              <a:t>4/7/2020</a:t>
             </a:fld>
             <a:endParaRPr lang="en-US"/>
           </a:p>
@@ -4983,7 +4983,7 @@
           <a:p>
             <a:fld id="{6B9CC98C-563E-4F7D-9927-73EC4AAC1618}" type="datetimeFigureOut">
               <a:rPr lang="en-US" smtClean="0"/>
-              <a:t>4/3/2020</a:t>
+              <a:t>4/7/2020</a:t>
             </a:fld>
             <a:endParaRPr lang="en-US"/>
           </a:p>
@@ -5275,7 +5275,7 @@
           <a:p>
             <a:fld id="{6B9CC98C-563E-4F7D-9927-73EC4AAC1618}" type="datetimeFigureOut">
               <a:rPr lang="en-US" smtClean="0"/>
-              <a:t>4/3/2020</a:t>
+              <a:t>4/7/2020</a:t>
             </a:fld>
             <a:endParaRPr lang="en-US"/>
           </a:p>
@@ -5354,9 +5354,7 @@
     <p:bg>
       <p:bgPr>
         <a:solidFill>
-          <a:schemeClr val="bg1">
-            <a:lumMod val="85000"/>
-          </a:schemeClr>
+          <a:srgbClr val="C0C0C0"/>
         </a:solidFill>
         <a:effectLst/>
       </p:bgPr>
@@ -5523,7 +5521,7 @@
           <a:p>
             <a:fld id="{6B9CC98C-563E-4F7D-9927-73EC4AAC1618}" type="datetimeFigureOut">
               <a:rPr lang="en-US" smtClean="0"/>
-              <a:t>4/3/2020</a:t>
+              <a:t>4/7/2020</a:t>
             </a:fld>
             <a:endParaRPr lang="en-US"/>
           </a:p>
@@ -6106,16 +6104,6 @@
 <file path=ppt/slides/slide10.xml><?xml version="1.0" encoding="utf-8"?>
 <p:sld xmlns:a="http://schemas.openxmlformats.org/drawingml/2006/main" xmlns:r="http://schemas.openxmlformats.org/officeDocument/2006/relationships" xmlns:p="http://schemas.openxmlformats.org/presentationml/2006/main">
   <p:cSld>
-    <p:bg>
-      <p:bgPr>
-        <a:solidFill>
-          <a:schemeClr val="bg1">
-            <a:lumMod val="85000"/>
-          </a:schemeClr>
-        </a:solidFill>
-        <a:effectLst/>
-      </p:bgPr>
-    </p:bg>
     <p:spTree>
       <p:nvGrpSpPr>
         <p:cNvPr id="1" name=""/>
@@ -6513,16 +6501,6 @@
 <file path=ppt/slides/slide11.xml><?xml version="1.0" encoding="utf-8"?>
 <p:sld xmlns:a="http://schemas.openxmlformats.org/drawingml/2006/main" xmlns:r="http://schemas.openxmlformats.org/officeDocument/2006/relationships" xmlns:p="http://schemas.openxmlformats.org/presentationml/2006/main">
   <p:cSld>
-    <p:bg>
-      <p:bgPr>
-        <a:solidFill>
-          <a:schemeClr val="bg1">
-            <a:lumMod val="85000"/>
-          </a:schemeClr>
-        </a:solidFill>
-        <a:effectLst/>
-      </p:bgPr>
-    </p:bg>
     <p:spTree>
       <p:nvGrpSpPr>
         <p:cNvPr id="1" name=""/>
@@ -22720,16 +22698,6 @@
 <file path=ppt/slides/slide3.xml><?xml version="1.0" encoding="utf-8"?>
 <p:sld xmlns:a="http://schemas.openxmlformats.org/drawingml/2006/main" xmlns:r="http://schemas.openxmlformats.org/officeDocument/2006/relationships" xmlns:p="http://schemas.openxmlformats.org/presentationml/2006/main">
   <p:cSld>
-    <p:bg>
-      <p:bgPr>
-        <a:solidFill>
-          <a:schemeClr val="bg1">
-            <a:lumMod val="85000"/>
-          </a:schemeClr>
-        </a:solidFill>
-        <a:effectLst/>
-      </p:bgPr>
-    </p:bg>
     <p:spTree>
       <p:nvGrpSpPr>
         <p:cNvPr id="1" name=""/>
@@ -23063,16 +23031,6 @@
 <file path=ppt/slides/slide4.xml><?xml version="1.0" encoding="utf-8"?>
 <p:sld xmlns:a="http://schemas.openxmlformats.org/drawingml/2006/main" xmlns:r="http://schemas.openxmlformats.org/officeDocument/2006/relationships" xmlns:p="http://schemas.openxmlformats.org/presentationml/2006/main">
   <p:cSld>
-    <p:bg>
-      <p:bgPr>
-        <a:solidFill>
-          <a:schemeClr val="bg1">
-            <a:lumMod val="85000"/>
-          </a:schemeClr>
-        </a:solidFill>
-        <a:effectLst/>
-      </p:bgPr>
-    </p:bg>
     <p:spTree>
       <p:nvGrpSpPr>
         <p:cNvPr id="1" name=""/>
@@ -23445,16 +23403,6 @@
 <file path=ppt/slides/slide5.xml><?xml version="1.0" encoding="utf-8"?>
 <p:sld xmlns:a="http://schemas.openxmlformats.org/drawingml/2006/main" xmlns:r="http://schemas.openxmlformats.org/officeDocument/2006/relationships" xmlns:p="http://schemas.openxmlformats.org/presentationml/2006/main">
   <p:cSld>
-    <p:bg>
-      <p:bgPr>
-        <a:solidFill>
-          <a:schemeClr val="bg1">
-            <a:lumMod val="85000"/>
-          </a:schemeClr>
-        </a:solidFill>
-        <a:effectLst/>
-      </p:bgPr>
-    </p:bg>
     <p:spTree>
       <p:nvGrpSpPr>
         <p:cNvPr id="1" name=""/>
@@ -23868,16 +23816,6 @@
 <file path=ppt/slides/slide6.xml><?xml version="1.0" encoding="utf-8"?>
 <p:sld xmlns:a="http://schemas.openxmlformats.org/drawingml/2006/main" xmlns:r="http://schemas.openxmlformats.org/officeDocument/2006/relationships" xmlns:p="http://schemas.openxmlformats.org/presentationml/2006/main">
   <p:cSld>
-    <p:bg>
-      <p:bgPr>
-        <a:solidFill>
-          <a:schemeClr val="bg1">
-            <a:lumMod val="85000"/>
-          </a:schemeClr>
-        </a:solidFill>
-        <a:effectLst/>
-      </p:bgPr>
-    </p:bg>
     <p:spTree>
       <p:nvGrpSpPr>
         <p:cNvPr id="1" name=""/>
@@ -24255,16 +24193,6 @@
 <file path=ppt/slides/slide7.xml><?xml version="1.0" encoding="utf-8"?>
 <p:sld xmlns:a="http://schemas.openxmlformats.org/drawingml/2006/main" xmlns:r="http://schemas.openxmlformats.org/officeDocument/2006/relationships" xmlns:p="http://schemas.openxmlformats.org/presentationml/2006/main">
   <p:cSld>
-    <p:bg>
-      <p:bgPr>
-        <a:solidFill>
-          <a:schemeClr val="bg1">
-            <a:lumMod val="85000"/>
-          </a:schemeClr>
-        </a:solidFill>
-        <a:effectLst/>
-      </p:bgPr>
-    </p:bg>
     <p:spTree>
       <p:nvGrpSpPr>
         <p:cNvPr id="1" name=""/>
@@ -24727,16 +24655,6 @@
 <file path=ppt/slides/slide8.xml><?xml version="1.0" encoding="utf-8"?>
 <p:sld xmlns:a="http://schemas.openxmlformats.org/drawingml/2006/main" xmlns:r="http://schemas.openxmlformats.org/officeDocument/2006/relationships" xmlns:p="http://schemas.openxmlformats.org/presentationml/2006/main">
   <p:cSld>
-    <p:bg>
-      <p:bgPr>
-        <a:solidFill>
-          <a:schemeClr val="bg1">
-            <a:lumMod val="85000"/>
-          </a:schemeClr>
-        </a:solidFill>
-        <a:effectLst/>
-      </p:bgPr>
-    </p:bg>
     <p:spTree>
       <p:nvGrpSpPr>
         <p:cNvPr id="1" name=""/>
@@ -25115,16 +25033,6 @@
 <file path=ppt/slides/slide9.xml><?xml version="1.0" encoding="utf-8"?>
 <p:sld xmlns:a="http://schemas.openxmlformats.org/drawingml/2006/main" xmlns:r="http://schemas.openxmlformats.org/officeDocument/2006/relationships" xmlns:p="http://schemas.openxmlformats.org/presentationml/2006/main">
   <p:cSld>
-    <p:bg>
-      <p:bgPr>
-        <a:solidFill>
-          <a:schemeClr val="bg1">
-            <a:lumMod val="85000"/>
-          </a:schemeClr>
-        </a:solidFill>
-        <a:effectLst/>
-      </p:bgPr>
-    </p:bg>
     <p:spTree>
       <p:nvGrpSpPr>
         <p:cNvPr id="1" name=""/>
@@ -25936,15 +25844,6 @@
 </file>
 
 <file path=customXml/item1.xml><?xml version="1.0" encoding="utf-8"?>
-<?mso-contentType ?>
-<FormTemplates xmlns="http://schemas.microsoft.com/sharepoint/v3/contenttype/forms">
-  <Display>DocumentLibraryForm</Display>
-  <Edit>DocumentLibraryForm</Edit>
-  <New>DocumentLibraryForm</New>
-</FormTemplates>
-</file>
-
-<file path=customXml/item2.xml><?xml version="1.0" encoding="utf-8"?>
 <ct:contentTypeSchema xmlns:ct="http://schemas.microsoft.com/office/2006/metadata/contentType" xmlns:ma="http://schemas.microsoft.com/office/2006/metadata/properties/metaAttributes" ct:_="" ma:_="" ma:contentTypeName="Document" ma:contentTypeID="0x01010083F0F5F090D6FE4C9D66FF879A7CC7B3" ma:contentTypeVersion="9" ma:contentTypeDescription="Create a new document." ma:contentTypeScope="" ma:versionID="606f2283565418712a5a3267706a5f5d">
   <xsd:schema xmlns:xsd="http://www.w3.org/2001/XMLSchema" xmlns:xs="http://www.w3.org/2001/XMLSchema" xmlns:p="http://schemas.microsoft.com/office/2006/metadata/properties" xmlns:ns2="58c44ba5-51a4-40bc-b9f0-9fe2032e2130" targetNamespace="http://schemas.microsoft.com/office/2006/metadata/properties" ma:root="true" ma:fieldsID="0d021ce73d87f7988edb471f4256858c" ns2:_="">
     <xsd:import namespace="58c44ba5-51a4-40bc-b9f0-9fe2032e2130"/>
@@ -26122,6 +26021,15 @@
 </ct:contentTypeSchema>
 </file>
 
+<file path=customXml/item2.xml><?xml version="1.0" encoding="utf-8"?>
+<?mso-contentType ?>
+<FormTemplates xmlns="http://schemas.microsoft.com/sharepoint/v3/contenttype/forms">
+  <Display>DocumentLibraryForm</Display>
+  <Edit>DocumentLibraryForm</Edit>
+  <New>DocumentLibraryForm</New>
+</FormTemplates>
+</file>
+
 <file path=customXml/item3.xml><?xml version="1.0" encoding="utf-8"?>
 <p:properties xmlns:p="http://schemas.microsoft.com/office/2006/metadata/properties" xmlns:xsi="http://www.w3.org/2001/XMLSchema-instance" xmlns:pc="http://schemas.microsoft.com/office/infopath/2007/PartnerControls">
   <documentManagement/>
@@ -26129,14 +26037,6 @@
 </file>
 
 <file path=customXml/itemProps1.xml><?xml version="1.0" encoding="utf-8"?>
-<ds:datastoreItem xmlns:ds="http://schemas.openxmlformats.org/officeDocument/2006/customXml" ds:itemID="{923228D6-D594-4907-8908-B39BE33AC58C}">
-  <ds:schemaRefs>
-    <ds:schemaRef ds:uri="http://schemas.microsoft.com/sharepoint/v3/contenttype/forms"/>
-  </ds:schemaRefs>
-</ds:datastoreItem>
-</file>
-
-<file path=customXml/itemProps2.xml><?xml version="1.0" encoding="utf-8"?>
 <ds:datastoreItem xmlns:ds="http://schemas.openxmlformats.org/officeDocument/2006/customXml" ds:itemID="{348D2F62-F6F5-4583-B474-10D48BE0C7F7}">
   <ds:schemaRefs>
     <ds:schemaRef ds:uri="http://schemas.microsoft.com/office/2006/metadata/contentType"/>
@@ -26150,6 +26050,14 @@
     <ds:schemaRef ds:uri="http://purl.org/dc/elements/1.1/"/>
     <ds:schemaRef ds:uri="http://purl.org/dc/terms/"/>
     <ds:schemaRef ds:uri="http://schemas.microsoft.com/internal/obd"/>
+  </ds:schemaRefs>
+</ds:datastoreItem>
+</file>
+
+<file path=customXml/itemProps2.xml><?xml version="1.0" encoding="utf-8"?>
+<ds:datastoreItem xmlns:ds="http://schemas.openxmlformats.org/officeDocument/2006/customXml" ds:itemID="{923228D6-D594-4907-8908-B39BE33AC58C}">
+  <ds:schemaRefs>
+    <ds:schemaRef ds:uri="http://schemas.microsoft.com/sharepoint/v3/contenttype/forms"/>
   </ds:schemaRefs>
 </ds:datastoreItem>
 </file>
